--- a/Project_Salary.pptx
+++ b/Project_Salary.pptx
@@ -224,7 +224,7 @@
           <a:p>
             <a:fld id="{65CF0A92-111B-4A87-B783-8BD167D292F2}" type="datetimeFigureOut">
               <a:rPr lang="en-US" smtClean="0"/>
-              <a:t>4/1/2018</a:t>
+              <a:t>4/3/18</a:t>
             </a:fld>
             <a:endParaRPr lang="en-US" dirty="0"/>
           </a:p>
@@ -979,7 +979,7 @@
                   </a:prstClr>
                 </a:solidFill>
               </a:rPr>
-              <a:t>4/1/2018</a:t>
+              <a:t>4/3/18</a:t>
             </a:fld>
             <a:endParaRPr lang="en-US" dirty="0">
               <a:solidFill>
@@ -1127,7 +1127,7 @@
                   </a:prstClr>
                 </a:solidFill>
               </a:rPr>
-              <a:t>4/1/2018</a:t>
+              <a:t>4/3/18</a:t>
             </a:fld>
             <a:endParaRPr lang="en-US" dirty="0">
               <a:solidFill>
@@ -1433,7 +1433,7 @@
                   </a:prstClr>
                 </a:solidFill>
               </a:rPr>
-              <a:t>4/1/2018</a:t>
+              <a:t>4/3/18</a:t>
             </a:fld>
             <a:endParaRPr lang="en-US" dirty="0">
               <a:solidFill>
@@ -1716,7 +1716,7 @@
                   </a:prstClr>
                 </a:solidFill>
               </a:rPr>
-              <a:t>4/1/2018</a:t>
+              <a:t>4/3/18</a:t>
             </a:fld>
             <a:endParaRPr lang="en-US" dirty="0">
               <a:solidFill>
@@ -1915,7 +1915,7 @@
                   </a:prstClr>
                 </a:solidFill>
               </a:rPr>
-              <a:t>4/1/2018</a:t>
+              <a:t>4/3/18</a:t>
             </a:fld>
             <a:endParaRPr lang="en-US" dirty="0">
               <a:solidFill>
@@ -2124,7 +2124,7 @@
                   </a:prstClr>
                 </a:solidFill>
               </a:rPr>
-              <a:t>4/1/2018</a:t>
+              <a:t>4/3/18</a:t>
             </a:fld>
             <a:endParaRPr lang="en-US" dirty="0">
               <a:solidFill>
@@ -4861,7 +4861,7 @@
                   </a:prstClr>
                 </a:solidFill>
               </a:rPr>
-              <a:t>4/1/2018</a:t>
+              <a:t>4/3/18</a:t>
             </a:fld>
             <a:endParaRPr lang="en-US" dirty="0">
               <a:solidFill>
@@ -5103,7 +5103,7 @@
                   </a:prstClr>
                 </a:solidFill>
               </a:rPr>
-              <a:t>4/1/2018</a:t>
+              <a:t>4/3/18</a:t>
             </a:fld>
             <a:endParaRPr lang="en-US" dirty="0">
               <a:solidFill>
@@ -5636,10 +5636,9 @@
           <a:lstStyle/>
           <a:p>
             <a:r>
-              <a:rPr lang="en-US" dirty="0" smtClean="0"/>
+              <a:rPr lang="en-US" dirty="0"/>
               <a:t>By age, gender, industry, and race, how has salary been impacted over the years.  </a:t>
             </a:r>
-            <a:endParaRPr lang="en-US" dirty="0"/>
           </a:p>
         </p:txBody>
       </p:sp>
@@ -5662,10 +5661,9 @@
               <a:buNone/>
             </a:pPr>
             <a:r>
-              <a:rPr lang="en-US" dirty="0" smtClean="0"/>
+              <a:rPr lang="en-US" dirty="0"/>
               <a:t>Our Ask	</a:t>
             </a:r>
-            <a:endParaRPr lang="en-US" dirty="0"/>
           </a:p>
         </p:txBody>
       </p:sp>
@@ -5734,13 +5732,13 @@
           <a:lstStyle/>
           <a:p>
             <a:r>
-              <a:rPr lang="en-US" dirty="0" smtClean="0"/>
+              <a:rPr lang="en-US" dirty="0"/>
               <a:t>Roughly over the past 10 years we suspected that the Gender Gap will decrease.</a:t>
             </a:r>
           </a:p>
           <a:p>
             <a:r>
-              <a:rPr lang="en-US" dirty="0" smtClean="0"/>
+              <a:rPr lang="en-US" dirty="0"/>
               <a:t>Over the past 5 years, people in industries with a computer / engineering focus will have a higher income.</a:t>
             </a:r>
           </a:p>
@@ -5773,7 +5771,7 @@
               <a:t>3</a:t>
             </a:fld>
             <a:r>
-              <a:rPr lang="en-US" smtClean="0"/>
+              <a:rPr lang="en-US"/>
               <a:t> </a:t>
             </a:r>
             <a:endParaRPr lang="en-US" dirty="0"/>
@@ -5799,10 +5797,9 @@
               <a:buNone/>
             </a:pPr>
             <a:r>
-              <a:rPr lang="en-US" dirty="0" smtClean="0"/>
+              <a:rPr lang="en-US" dirty="0"/>
               <a:t>Hypothesis</a:t>
             </a:r>
-            <a:endParaRPr lang="en-US" dirty="0"/>
           </a:p>
         </p:txBody>
       </p:sp>
@@ -5871,31 +5868,31 @@
           <a:lstStyle/>
           <a:p>
             <a:r>
-              <a:rPr lang="en-US" dirty="0" smtClean="0"/>
+              <a:rPr lang="en-US" dirty="0"/>
               <a:t>Describe the data retrieval process (</a:t>
             </a:r>
             <a:r>
-              <a:rPr lang="en-US" dirty="0" err="1" smtClean="0"/>
+              <a:rPr lang="en-US" dirty="0" err="1"/>
               <a:t>ie</a:t>
             </a:r>
             <a:r>
-              <a:rPr lang="en-US" dirty="0" smtClean="0"/>
+              <a:rPr lang="en-US" dirty="0"/>
               <a:t> bureau of labor statistics, basketball world, data reference csv </a:t>
             </a:r>
             <a:r>
-              <a:rPr lang="en-US" dirty="0" smtClean="0">
+              <a:rPr lang="en-US" dirty="0">
                 <a:sym typeface="Wingdings" panose="05000000000000000000" pitchFamily="2" charset="2"/>
               </a:rPr>
               <a:t> read into </a:t>
             </a:r>
             <a:r>
-              <a:rPr lang="en-US" dirty="0" err="1" smtClean="0">
+              <a:rPr lang="en-US" dirty="0" err="1">
                 <a:sym typeface="Wingdings" panose="05000000000000000000" pitchFamily="2" charset="2"/>
               </a:rPr>
               <a:t>dataframe</a:t>
             </a:r>
             <a:r>
-              <a:rPr lang="en-US" dirty="0" smtClean="0">
+              <a:rPr lang="en-US" dirty="0">
                 <a:sym typeface="Wingdings" panose="05000000000000000000" pitchFamily="2" charset="2"/>
               </a:rPr>
               <a:t>  data munging  output to clean csv</a:t>
@@ -5903,7 +5900,7 @@
           </a:p>
           <a:p>
             <a:r>
-              <a:rPr lang="en-US" dirty="0" smtClean="0">
+              <a:rPr lang="en-US" dirty="0">
                 <a:sym typeface="Wingdings" panose="05000000000000000000" pitchFamily="2" charset="2"/>
               </a:rPr>
               <a:t>	API Wrapper</a:t>
@@ -5914,18 +5911,12 @@
               <a:rPr lang="en-US" dirty="0">
                 <a:sym typeface="Wingdings" panose="05000000000000000000" pitchFamily="2" charset="2"/>
               </a:rPr>
-              <a:t>	</a:t>
-            </a:r>
-            <a:r>
-              <a:rPr lang="en-US" dirty="0" smtClean="0">
-                <a:sym typeface="Wingdings" panose="05000000000000000000" pitchFamily="2" charset="2"/>
-              </a:rPr>
-              <a:t>API Calls for data retrieval</a:t>
-            </a:r>
-          </a:p>
-          <a:p>
-            <a:r>
-              <a:rPr lang="en-US" dirty="0" smtClean="0">
+              <a:t>	API Calls for data retrieval</a:t>
+            </a:r>
+          </a:p>
+          <a:p>
+            <a:r>
+              <a:rPr lang="en-US" dirty="0">
                 <a:sym typeface="Wingdings" panose="05000000000000000000" pitchFamily="2" charset="2"/>
               </a:rPr>
               <a:t>Grab info from Read me</a:t>
@@ -5963,7 +5954,7 @@
               <a:t>4</a:t>
             </a:fld>
             <a:r>
-              <a:rPr lang="en-US" smtClean="0"/>
+              <a:rPr lang="en-US"/>
               <a:t> </a:t>
             </a:r>
             <a:endParaRPr lang="en-US" dirty="0"/>
@@ -5989,10 +5980,9 @@
               <a:buNone/>
             </a:pPr>
             <a:r>
-              <a:rPr lang="en-US" dirty="0" smtClean="0"/>
+              <a:rPr lang="en-US" dirty="0"/>
               <a:t>Data Retrieval Summary</a:t>
             </a:r>
-            <a:endParaRPr lang="en-US" dirty="0"/>
           </a:p>
         </p:txBody>
       </p:sp>
@@ -6066,7 +6056,7 @@
               <a:t>5</a:t>
             </a:fld>
             <a:r>
-              <a:rPr lang="en-US" smtClean="0"/>
+              <a:rPr lang="en-US"/>
               <a:t> </a:t>
             </a:r>
             <a:endParaRPr lang="en-US" dirty="0"/>
@@ -6192,7 +6182,7 @@
               <a:t>6</a:t>
             </a:fld>
             <a:r>
-              <a:rPr lang="en-US" smtClean="0"/>
+              <a:rPr lang="en-US"/>
               <a:t> </a:t>
             </a:r>
             <a:endParaRPr lang="en-US" dirty="0"/>
@@ -6318,7 +6308,7 @@
               <a:t>7</a:t>
             </a:fld>
             <a:r>
-              <a:rPr lang="en-US" smtClean="0"/>
+              <a:rPr lang="en-US"/>
               <a:t> </a:t>
             </a:r>
             <a:endParaRPr lang="en-US" dirty="0"/>
@@ -6432,7 +6422,10 @@
           <a:bodyPr/>
           <a:lstStyle/>
           <a:p>
-            <a:endParaRPr lang="en-US"/>
+            <a:r>
+              <a:rPr lang="en-US" dirty="0"/>
+              <a:t>US wage by race</a:t>
+            </a:r>
           </a:p>
         </p:txBody>
       </p:sp>
@@ -6457,7 +6450,7 @@
               <a:t>8</a:t>
             </a:fld>
             <a:r>
-              <a:rPr lang="en-US" smtClean="0"/>
+              <a:rPr lang="en-US"/>
               <a:t> </a:t>
             </a:r>
             <a:endParaRPr lang="en-US" dirty="0"/>
@@ -6474,12 +6467,31 @@
             <p:ph type="body" sz="quarter" idx="16"/>
           </p:nvPr>
         </p:nvSpPr>
-        <p:spPr/>
-        <p:txBody>
-          <a:bodyPr/>
+        <p:spPr>
+          <a:xfrm>
+            <a:off x="609599" y="1314450"/>
+            <a:ext cx="3763963" cy="3429000"/>
+          </a:xfrm>
+        </p:spPr>
+        <p:txBody>
+          <a:bodyPr>
+            <a:normAutofit/>
+          </a:bodyPr>
           <a:lstStyle/>
           <a:p>
-            <a:endParaRPr lang="en-US"/>
+            <a:r>
+              <a:rPr lang="en-US" dirty="0"/>
+              <a:t>The general trend is increasing weekly earnings </a:t>
+            </a:r>
+          </a:p>
+          <a:p>
+            <a:r>
+              <a:rPr lang="en-US" dirty="0"/>
+              <a:t>During 2010, all races have a lower growth rate , the Asian and Hispanic or Latino  groups even have a negative growth  in US</a:t>
+            </a:r>
+          </a:p>
+          <a:p>
+            <a:endParaRPr lang="en-US" dirty="0"/>
           </a:p>
         </p:txBody>
       </p:sp>
@@ -6571,7 +6583,10 @@
           <a:bodyPr/>
           <a:lstStyle/>
           <a:p>
-            <a:endParaRPr lang="en-US"/>
+            <a:r>
+              <a:rPr lang="en-US" dirty="0"/>
+              <a:t>US wage by race of gender</a:t>
+            </a:r>
           </a:p>
         </p:txBody>
       </p:sp>
@@ -6596,7 +6611,7 @@
               <a:t>9</a:t>
             </a:fld>
             <a:r>
-              <a:rPr lang="en-US" smtClean="0"/>
+              <a:rPr lang="en-US"/>
               <a:t> </a:t>
             </a:r>
             <a:endParaRPr lang="en-US" dirty="0"/>
@@ -6613,12 +6628,31 @@
             <p:ph type="body" sz="quarter" idx="16"/>
           </p:nvPr>
         </p:nvSpPr>
-        <p:spPr/>
-        <p:txBody>
-          <a:bodyPr/>
+        <p:spPr>
+          <a:xfrm>
+            <a:off x="609599" y="2143124"/>
+            <a:ext cx="3763963" cy="3086101"/>
+          </a:xfrm>
+        </p:spPr>
+        <p:txBody>
+          <a:bodyPr>
+            <a:normAutofit/>
+          </a:bodyPr>
           <a:lstStyle/>
           <a:p>
-            <a:endParaRPr lang="en-US"/>
+            <a:r>
+              <a:rPr lang="en-US" dirty="0"/>
+              <a:t>Group of Asian men has the highest weekly earnings from 2002 to 2018 in US, it also has the maximum growth  rate and lowest workers compared to other groups.</a:t>
+            </a:r>
+          </a:p>
+          <a:p>
+            <a:r>
+              <a:rPr lang="en-US" dirty="0"/>
+              <a:t>In each races, men has higher income than women in US.</a:t>
+            </a:r>
+          </a:p>
+          <a:p>
+            <a:endParaRPr lang="en-US" dirty="0"/>
           </a:p>
         </p:txBody>
       </p:sp>
